--- a/files/lecture_4.pptx
+++ b/files/lecture_4.pptx
@@ -9,20 +9,20 @@
   </p:notesMasterIdLst>
   <p:sldIdLst>
     <p:sldId id="256" r:id="rId2"/>
-    <p:sldId id="264" r:id="rId3"/>
-    <p:sldId id="267" r:id="rId4"/>
-    <p:sldId id="268" r:id="rId5"/>
-    <p:sldId id="266" r:id="rId6"/>
-    <p:sldId id="269" r:id="rId7"/>
-    <p:sldId id="270" r:id="rId8"/>
-    <p:sldId id="282" r:id="rId9"/>
-    <p:sldId id="265" r:id="rId10"/>
-    <p:sldId id="297" r:id="rId11"/>
-    <p:sldId id="291" r:id="rId12"/>
-    <p:sldId id="292" r:id="rId13"/>
-    <p:sldId id="277" r:id="rId14"/>
-    <p:sldId id="295" r:id="rId15"/>
-    <p:sldId id="296" r:id="rId16"/>
+    <p:sldId id="268" r:id="rId3"/>
+    <p:sldId id="266" r:id="rId4"/>
+    <p:sldId id="269" r:id="rId5"/>
+    <p:sldId id="270" r:id="rId6"/>
+    <p:sldId id="282" r:id="rId7"/>
+    <p:sldId id="265" r:id="rId8"/>
+    <p:sldId id="297" r:id="rId9"/>
+    <p:sldId id="298" r:id="rId10"/>
+    <p:sldId id="291" r:id="rId11"/>
+    <p:sldId id="292" r:id="rId12"/>
+    <p:sldId id="277" r:id="rId13"/>
+    <p:sldId id="295" r:id="rId14"/>
+    <p:sldId id="296" r:id="rId15"/>
+    <p:sldId id="299" r:id="rId16"/>
   </p:sldIdLst>
   <p:sldSz cx="9144000" cy="5143500" type="screen16x9"/>
   <p:notesSz cx="6858000" cy="9144000"/>
@@ -39,25 +39,32 @@
       <p:boldItalic r:id="rId22"/>
     </p:embeddedFont>
     <p:embeddedFont>
-      <p:font typeface="Open Sans" panose="020B0606030504020204" pitchFamily="34" charset="0"/>
+      <p:font typeface="Lato" panose="020F0502020204030203" pitchFamily="34" charset="0"/>
       <p:regular r:id="rId23"/>
       <p:bold r:id="rId24"/>
       <p:italic r:id="rId25"/>
       <p:boldItalic r:id="rId26"/>
     </p:embeddedFont>
     <p:embeddedFont>
-      <p:font typeface="Open Sans Light" panose="020B0306030504020204" pitchFamily="34" charset="0"/>
+      <p:font typeface="Open Sans" panose="020B0606030504020204" pitchFamily="34" charset="0"/>
       <p:regular r:id="rId27"/>
       <p:bold r:id="rId28"/>
       <p:italic r:id="rId29"/>
       <p:boldItalic r:id="rId30"/>
     </p:embeddedFont>
     <p:embeddedFont>
-      <p:font typeface="Times" panose="02020603050405020304" pitchFamily="18" charset="0"/>
+      <p:font typeface="Open Sans Light" panose="020B0306030504020204" pitchFamily="34" charset="0"/>
       <p:regular r:id="rId31"/>
       <p:bold r:id="rId32"/>
       <p:italic r:id="rId33"/>
       <p:boldItalic r:id="rId34"/>
+    </p:embeddedFont>
+    <p:embeddedFont>
+      <p:font typeface="Times" panose="02020603050405020304" pitchFamily="18" charset="0"/>
+      <p:regular r:id="rId35"/>
+      <p:bold r:id="rId36"/>
+      <p:italic r:id="rId37"/>
+      <p:boldItalic r:id="rId38"/>
     </p:embeddedFont>
   </p:embeddedFontLst>
   <p:defaultTextStyle>
@@ -1816,312 +1823,7 @@
             </a:pPr>
             <a:fld id="{00000000-1234-1234-1234-123412341234}" type="slidenum">
               <a:rPr lang="en-US"/>
-              <a:t>2</a:t>
-            </a:fld>
-            <a:endParaRPr/>
-          </a:p>
-        </p:txBody>
-      </p:sp>
-    </p:spTree>
-  </p:cSld>
-  <p:clrMapOvr>
-    <a:masterClrMapping/>
-  </p:clrMapOvr>
-</p:notes>
-</file>
-
-<file path=ppt/notesSlides/notesSlide3.xml><?xml version="1.0" encoding="utf-8"?>
-<p:notes xmlns:a="http://schemas.openxmlformats.org/drawingml/2006/main" xmlns:r="http://schemas.openxmlformats.org/officeDocument/2006/relationships" xmlns:p="http://schemas.openxmlformats.org/presentationml/2006/main" showMasterSp="0" showMasterPhAnim="0">
-  <p:cSld>
-    <p:spTree>
-      <p:nvGrpSpPr>
-        <p:cNvPr id="1" name="Shape 107"/>
-        <p:cNvGrpSpPr/>
-        <p:nvPr/>
-      </p:nvGrpSpPr>
-      <p:grpSpPr>
-        <a:xfrm>
-          <a:off x="0" y="0"/>
-          <a:ext cx="0" cy="0"/>
-          <a:chOff x="0" y="0"/>
-          <a:chExt cx="0" cy="0"/>
-        </a:xfrm>
-      </p:grpSpPr>
-      <p:sp>
-        <p:nvSpPr>
-          <p:cNvPr id="108" name="Google Shape;108;g17a829ec0e2_0_18:notes"/>
-          <p:cNvSpPr>
-            <a:spLocks noGrp="1" noRot="1" noChangeAspect="1"/>
-          </p:cNvSpPr>
-          <p:nvPr>
-            <p:ph type="sldImg" idx="2"/>
-          </p:nvPr>
-        </p:nvSpPr>
-        <p:spPr>
-          <a:xfrm>
-            <a:off x="381000" y="685800"/>
-            <a:ext cx="6096000" cy="3429000"/>
-          </a:xfrm>
-          <a:custGeom>
-            <a:avLst/>
-            <a:gdLst/>
-            <a:ahLst/>
-            <a:cxnLst/>
-            <a:rect l="l" t="t" r="r" b="b"/>
-            <a:pathLst>
-              <a:path w="120000" h="120000" extrusionOk="0">
-                <a:moveTo>
-                  <a:pt x="0" y="0"/>
-                </a:moveTo>
-                <a:lnTo>
-                  <a:pt x="120000" y="0"/>
-                </a:lnTo>
-                <a:lnTo>
-                  <a:pt x="120000" y="120000"/>
-                </a:lnTo>
-                <a:lnTo>
-                  <a:pt x="0" y="120000"/>
-                </a:lnTo>
-                <a:close/>
-              </a:path>
-            </a:pathLst>
-          </a:custGeom>
-        </p:spPr>
-      </p:sp>
-      <p:sp>
-        <p:nvSpPr>
-          <p:cNvPr id="109" name="Google Shape;109;g17a829ec0e2_0_18:notes"/>
-          <p:cNvSpPr txBox="1">
-            <a:spLocks noGrp="1"/>
-          </p:cNvSpPr>
-          <p:nvPr>
-            <p:ph type="body" idx="1"/>
-          </p:nvPr>
-        </p:nvSpPr>
-        <p:spPr>
-          <a:xfrm>
-            <a:off x="914400" y="4343400"/>
-            <a:ext cx="5029200" cy="4114800"/>
-          </a:xfrm>
-          <a:prstGeom prst="rect">
-            <a:avLst/>
-          </a:prstGeom>
-        </p:spPr>
-        <p:txBody>
-          <a:bodyPr spcFirstLastPara="1" wrap="square" lIns="91425" tIns="45700" rIns="91425" bIns="45700" anchor="t" anchorCtr="0">
-            <a:noAutofit/>
-          </a:bodyPr>
-          <a:lstStyle/>
-          <a:p>
-            <a:pPr marL="0" lvl="0" indent="0" algn="l" rtl="0">
-              <a:spcBef>
-                <a:spcPts val="360"/>
-              </a:spcBef>
-              <a:spcAft>
-                <a:spcPts val="0"/>
-              </a:spcAft>
-              <a:buNone/>
-            </a:pPr>
-            <a:endParaRPr/>
-          </a:p>
-        </p:txBody>
-      </p:sp>
-      <p:sp>
-        <p:nvSpPr>
-          <p:cNvPr id="110" name="Google Shape;110;g17a829ec0e2_0_18:notes"/>
-          <p:cNvSpPr txBox="1">
-            <a:spLocks noGrp="1"/>
-          </p:cNvSpPr>
-          <p:nvPr>
-            <p:ph type="sldNum" idx="12"/>
-          </p:nvPr>
-        </p:nvSpPr>
-        <p:spPr>
-          <a:xfrm>
-            <a:off x="3886200" y="8686800"/>
-            <a:ext cx="2971800" cy="457200"/>
-          </a:xfrm>
-          <a:prstGeom prst="rect">
-            <a:avLst/>
-          </a:prstGeom>
-        </p:spPr>
-        <p:txBody>
-          <a:bodyPr spcFirstLastPara="1" wrap="square" lIns="91425" tIns="45700" rIns="91425" bIns="45700" anchor="b" anchorCtr="0">
-            <a:noAutofit/>
-          </a:bodyPr>
-          <a:lstStyle/>
-          <a:p>
-            <a:pPr marL="0" lvl="0" indent="0" algn="r" rtl="0">
-              <a:spcBef>
-                <a:spcPts val="0"/>
-              </a:spcBef>
-              <a:spcAft>
-                <a:spcPts val="0"/>
-              </a:spcAft>
-              <a:buClr>
-                <a:srgbClr val="000000"/>
-              </a:buClr>
-              <a:buFont typeface="Arial"/>
-              <a:buNone/>
-            </a:pPr>
-            <a:fld id="{00000000-1234-1234-1234-123412341234}" type="slidenum">
-              <a:rPr lang="en-US"/>
               <a:t>3</a:t>
-            </a:fld>
-            <a:endParaRPr/>
-          </a:p>
-        </p:txBody>
-      </p:sp>
-    </p:spTree>
-    <p:extLst>
-      <p:ext uri="{BB962C8B-B14F-4D97-AF65-F5344CB8AC3E}">
-        <p14:creationId xmlns:p14="http://schemas.microsoft.com/office/powerpoint/2010/main" val="3694732700"/>
-      </p:ext>
-    </p:extLst>
-  </p:cSld>
-  <p:clrMapOvr>
-    <a:masterClrMapping/>
-  </p:clrMapOvr>
-</p:notes>
-</file>
-
-<file path=ppt/notesSlides/notesSlide4.xml><?xml version="1.0" encoding="utf-8"?>
-<p:notes xmlns:a="http://schemas.openxmlformats.org/drawingml/2006/main" xmlns:r="http://schemas.openxmlformats.org/officeDocument/2006/relationships" xmlns:p="http://schemas.openxmlformats.org/presentationml/2006/main" showMasterSp="0" showMasterPhAnim="0">
-  <p:cSld>
-    <p:spTree>
-      <p:nvGrpSpPr>
-        <p:cNvPr id="1" name="Shape 107"/>
-        <p:cNvGrpSpPr/>
-        <p:nvPr/>
-      </p:nvGrpSpPr>
-      <p:grpSpPr>
-        <a:xfrm>
-          <a:off x="0" y="0"/>
-          <a:ext cx="0" cy="0"/>
-          <a:chOff x="0" y="0"/>
-          <a:chExt cx="0" cy="0"/>
-        </a:xfrm>
-      </p:grpSpPr>
-      <p:sp>
-        <p:nvSpPr>
-          <p:cNvPr id="108" name="Google Shape;108;g17a829ec0e2_0_18:notes"/>
-          <p:cNvSpPr>
-            <a:spLocks noGrp="1" noRot="1" noChangeAspect="1"/>
-          </p:cNvSpPr>
-          <p:nvPr>
-            <p:ph type="sldImg" idx="2"/>
-          </p:nvPr>
-        </p:nvSpPr>
-        <p:spPr>
-          <a:xfrm>
-            <a:off x="381000" y="685800"/>
-            <a:ext cx="6096000" cy="3429000"/>
-          </a:xfrm>
-          <a:custGeom>
-            <a:avLst/>
-            <a:gdLst/>
-            <a:ahLst/>
-            <a:cxnLst/>
-            <a:rect l="l" t="t" r="r" b="b"/>
-            <a:pathLst>
-              <a:path w="120000" h="120000" extrusionOk="0">
-                <a:moveTo>
-                  <a:pt x="0" y="0"/>
-                </a:moveTo>
-                <a:lnTo>
-                  <a:pt x="120000" y="0"/>
-                </a:lnTo>
-                <a:lnTo>
-                  <a:pt x="120000" y="120000"/>
-                </a:lnTo>
-                <a:lnTo>
-                  <a:pt x="0" y="120000"/>
-                </a:lnTo>
-                <a:close/>
-              </a:path>
-            </a:pathLst>
-          </a:custGeom>
-        </p:spPr>
-      </p:sp>
-      <p:sp>
-        <p:nvSpPr>
-          <p:cNvPr id="109" name="Google Shape;109;g17a829ec0e2_0_18:notes"/>
-          <p:cNvSpPr txBox="1">
-            <a:spLocks noGrp="1"/>
-          </p:cNvSpPr>
-          <p:nvPr>
-            <p:ph type="body" idx="1"/>
-          </p:nvPr>
-        </p:nvSpPr>
-        <p:spPr>
-          <a:xfrm>
-            <a:off x="914400" y="4343400"/>
-            <a:ext cx="5029200" cy="4114800"/>
-          </a:xfrm>
-          <a:prstGeom prst="rect">
-            <a:avLst/>
-          </a:prstGeom>
-        </p:spPr>
-        <p:txBody>
-          <a:bodyPr spcFirstLastPara="1" wrap="square" lIns="91425" tIns="45700" rIns="91425" bIns="45700" anchor="t" anchorCtr="0">
-            <a:noAutofit/>
-          </a:bodyPr>
-          <a:lstStyle/>
-          <a:p>
-            <a:pPr marL="0" lvl="0" indent="0" algn="l" rtl="0">
-              <a:spcBef>
-                <a:spcPts val="360"/>
-              </a:spcBef>
-              <a:spcAft>
-                <a:spcPts val="0"/>
-              </a:spcAft>
-              <a:buNone/>
-            </a:pPr>
-            <a:endParaRPr/>
-          </a:p>
-        </p:txBody>
-      </p:sp>
-      <p:sp>
-        <p:nvSpPr>
-          <p:cNvPr id="110" name="Google Shape;110;g17a829ec0e2_0_18:notes"/>
-          <p:cNvSpPr txBox="1">
-            <a:spLocks noGrp="1"/>
-          </p:cNvSpPr>
-          <p:nvPr>
-            <p:ph type="sldNum" idx="12"/>
-          </p:nvPr>
-        </p:nvSpPr>
-        <p:spPr>
-          <a:xfrm>
-            <a:off x="3886200" y="8686800"/>
-            <a:ext cx="2971800" cy="457200"/>
-          </a:xfrm>
-          <a:prstGeom prst="rect">
-            <a:avLst/>
-          </a:prstGeom>
-        </p:spPr>
-        <p:txBody>
-          <a:bodyPr spcFirstLastPara="1" wrap="square" lIns="91425" tIns="45700" rIns="91425" bIns="45700" anchor="b" anchorCtr="0">
-            <a:noAutofit/>
-          </a:bodyPr>
-          <a:lstStyle/>
-          <a:p>
-            <a:pPr marL="0" lvl="0" indent="0" algn="r" rtl="0">
-              <a:spcBef>
-                <a:spcPts val="0"/>
-              </a:spcBef>
-              <a:spcAft>
-                <a:spcPts val="0"/>
-              </a:spcAft>
-              <a:buClr>
-                <a:srgbClr val="000000"/>
-              </a:buClr>
-              <a:buFont typeface="Arial"/>
-              <a:buNone/>
-            </a:pPr>
-            <a:fld id="{00000000-1234-1234-1234-123412341234}" type="slidenum">
-              <a:rPr lang="en-US"/>
-              <a:t>5</a:t>
             </a:fld>
             <a:endParaRPr/>
           </a:p>
@@ -2140,7 +1842,7 @@
 </p:notes>
 </file>
 
-<file path=ppt/notesSlides/notesSlide5.xml><?xml version="1.0" encoding="utf-8"?>
+<file path=ppt/notesSlides/notesSlide3.xml><?xml version="1.0" encoding="utf-8"?>
 <p:notes xmlns:a="http://schemas.openxmlformats.org/drawingml/2006/main" xmlns:r="http://schemas.openxmlformats.org/officeDocument/2006/relationships" xmlns:p="http://schemas.openxmlformats.org/presentationml/2006/main">
   <p:cSld>
     <p:spTree>
@@ -2249,7 +1951,7 @@
                 <a:cs typeface="Open Sans"/>
                 <a:sym typeface="Open Sans"/>
               </a:rPr>
-              <a:t>8</a:t>
+              <a:t>6</a:t>
             </a:fld>
             <a:endParaRPr lang="en-US" sz="1200" b="0" i="0" u="none" strike="noStrike" cap="none">
               <a:solidFill>
@@ -2276,7 +1978,7 @@
 </p:notes>
 </file>
 
-<file path=ppt/notesSlides/notesSlide6.xml><?xml version="1.0" encoding="utf-8"?>
+<file path=ppt/notesSlides/notesSlide4.xml><?xml version="1.0" encoding="utf-8"?>
 <p:notes xmlns:a="http://schemas.openxmlformats.org/drawingml/2006/main" xmlns:r="http://schemas.openxmlformats.org/officeDocument/2006/relationships" xmlns:p="http://schemas.openxmlformats.org/presentationml/2006/main" showMasterSp="0" showMasterPhAnim="0">
   <p:cSld>
     <p:spTree>
@@ -2408,7 +2110,7 @@
             </a:pPr>
             <a:fld id="{00000000-1234-1234-1234-123412341234}" type="slidenum">
               <a:rPr lang="en-US"/>
-              <a:t>9</a:t>
+              <a:t>7</a:t>
             </a:fld>
             <a:endParaRPr/>
           </a:p>
@@ -2422,7 +2124,7 @@
 </p:notes>
 </file>
 
-<file path=ppt/notesSlides/notesSlide7.xml><?xml version="1.0" encoding="utf-8"?>
+<file path=ppt/notesSlides/notesSlide5.xml><?xml version="1.0" encoding="utf-8"?>
 <p:notes xmlns:a="http://schemas.openxmlformats.org/drawingml/2006/main" xmlns:r="http://schemas.openxmlformats.org/officeDocument/2006/relationships" xmlns:p="http://schemas.openxmlformats.org/presentationml/2006/main">
   <p:cSld>
     <p:spTree>
@@ -2507,7 +2209,7 @@
                 <a:cs typeface="Open Sans"/>
                 <a:sym typeface="Open Sans"/>
               </a:rPr>
-              <a:t>10</a:t>
+              <a:t>8</a:t>
             </a:fld>
             <a:endParaRPr lang="en-US" sz="1200" b="0" i="0" u="none" strike="noStrike" cap="none">
               <a:solidFill>
@@ -2534,7 +2236,7 @@
 </p:notes>
 </file>
 
-<file path=ppt/notesSlides/notesSlide8.xml><?xml version="1.0" encoding="utf-8"?>
+<file path=ppt/notesSlides/notesSlide6.xml><?xml version="1.0" encoding="utf-8"?>
 <p:notes xmlns:a="http://schemas.openxmlformats.org/drawingml/2006/main" xmlns:r="http://schemas.openxmlformats.org/officeDocument/2006/relationships" xmlns:p="http://schemas.openxmlformats.org/presentationml/2006/main">
   <p:cSld>
     <p:spTree>
@@ -2619,6 +2321,156 @@
                 <a:cs typeface="Open Sans"/>
                 <a:sym typeface="Open Sans"/>
               </a:rPr>
+              <a:t>14</a:t>
+            </a:fld>
+            <a:endParaRPr lang="en-US" sz="1200" b="0" i="0" u="none" strike="noStrike" cap="none">
+              <a:solidFill>
+                <a:schemeClr val="dk1"/>
+              </a:solidFill>
+              <a:latin typeface="Open Sans"/>
+              <a:ea typeface="Open Sans"/>
+              <a:cs typeface="Open Sans"/>
+              <a:sym typeface="Open Sans"/>
+            </a:endParaRPr>
+          </a:p>
+        </p:txBody>
+      </p:sp>
+    </p:spTree>
+    <p:extLst>
+      <p:ext uri="{BB962C8B-B14F-4D97-AF65-F5344CB8AC3E}">
+        <p14:creationId xmlns:p14="http://schemas.microsoft.com/office/powerpoint/2010/main" val="316110366"/>
+      </p:ext>
+    </p:extLst>
+  </p:cSld>
+  <p:clrMapOvr>
+    <a:masterClrMapping/>
+  </p:clrMapOvr>
+</p:notes>
+</file>
+
+<file path=ppt/notesSlides/notesSlide7.xml><?xml version="1.0" encoding="utf-8"?>
+<p:notes xmlns:a="http://schemas.openxmlformats.org/drawingml/2006/main" xmlns:r="http://schemas.openxmlformats.org/officeDocument/2006/relationships" xmlns:p="http://schemas.openxmlformats.org/presentationml/2006/main">
+  <p:cSld>
+    <p:spTree>
+      <p:nvGrpSpPr>
+        <p:cNvPr id="1" name=""/>
+        <p:cNvGrpSpPr/>
+        <p:nvPr/>
+      </p:nvGrpSpPr>
+      <p:grpSpPr>
+        <a:xfrm>
+          <a:off x="0" y="0"/>
+          <a:ext cx="0" cy="0"/>
+          <a:chOff x="0" y="0"/>
+          <a:chExt cx="0" cy="0"/>
+        </a:xfrm>
+      </p:grpSpPr>
+      <p:sp>
+        <p:nvSpPr>
+          <p:cNvPr id="2" name="Slide Image Placeholder 1"/>
+          <p:cNvSpPr>
+            <a:spLocks noGrp="1" noRot="1" noChangeAspect="1"/>
+          </p:cNvSpPr>
+          <p:nvPr>
+            <p:ph type="sldImg"/>
+          </p:nvPr>
+        </p:nvSpPr>
+        <p:spPr/>
+      </p:sp>
+      <p:sp>
+        <p:nvSpPr>
+          <p:cNvPr id="3" name="Notes Placeholder 2"/>
+          <p:cNvSpPr>
+            <a:spLocks noGrp="1"/>
+          </p:cNvSpPr>
+          <p:nvPr>
+            <p:ph type="body" idx="1"/>
+          </p:nvPr>
+        </p:nvSpPr>
+        <p:spPr/>
+        <p:txBody>
+          <a:bodyPr/>
+          <a:lstStyle/>
+          <a:p>
+            <a:r>
+              <a:rPr lang="en-US" dirty="0"/>
+              <a:t> Let P(n) denote the proposition that an amount of n cents can be changed using 6-cent and 11-cent coins. In other words, P(n):  n = 6a + 11b where a, b are nonnegative integers. Base Step:  For n = 60, 60 = 6 (10) + 11 (0). Thus, P(60) is true.  Induction Step: We assume P(n) (for n ≥ 60) and consider how to extend P(n) to P(n+1). If P(n) uses at least one 11-cent coin, then replace one 11-cent coin with two 6-cent coins. On the other hand, if P(n) does not use any 11-cent coins, then because n ≥ 60, P(n) must use at least nine 6-cent coins.  In this case, replace nine 6-cent coins with five 11-cent coins. </a:t>
+            </a:r>
+          </a:p>
+          <a:p>
+            <a:endParaRPr lang="en-US" dirty="0"/>
+          </a:p>
+          <a:p>
+            <a:r>
+              <a:rPr lang="en-US" dirty="0"/>
+              <a:t>http://</a:t>
+            </a:r>
+            <a:r>
+              <a:rPr lang="en-US" dirty="0" err="1"/>
+              <a:t>faculty.kfupm.edu.sa</a:t>
+            </a:r>
+            <a:r>
+              <a:rPr lang="en-US" dirty="0"/>
+              <a:t>/</a:t>
+            </a:r>
+            <a:r>
+              <a:rPr lang="en-US" dirty="0" err="1"/>
+              <a:t>ics</a:t>
+            </a:r>
+            <a:r>
+              <a:rPr lang="en-US" dirty="0"/>
+              <a:t>/</a:t>
+            </a:r>
+            <a:r>
+              <a:rPr lang="en-US" dirty="0" err="1"/>
+              <a:t>darwish</a:t>
+            </a:r>
+            <a:r>
+              <a:rPr lang="en-US" dirty="0"/>
+              <a:t>/stuff/</a:t>
+            </a:r>
+            <a:r>
+              <a:rPr lang="en-US" dirty="0" err="1"/>
+              <a:t>induction_handout.pdf</a:t>
+            </a:r>
+            <a:endParaRPr lang="en-US" dirty="0"/>
+          </a:p>
+        </p:txBody>
+      </p:sp>
+      <p:sp>
+        <p:nvSpPr>
+          <p:cNvPr id="4" name="Slide Number Placeholder 3"/>
+          <p:cNvSpPr>
+            <a:spLocks noGrp="1"/>
+          </p:cNvSpPr>
+          <p:nvPr>
+            <p:ph type="sldNum" idx="12"/>
+          </p:nvPr>
+        </p:nvSpPr>
+        <p:spPr/>
+        <p:txBody>
+          <a:bodyPr/>
+          <a:lstStyle/>
+          <a:p>
+            <a:pPr marL="0" marR="0" lvl="0" indent="0" algn="r" rtl="0">
+              <a:spcBef>
+                <a:spcPts val="0"/>
+              </a:spcBef>
+              <a:spcAft>
+                <a:spcPts val="0"/>
+              </a:spcAft>
+              <a:buNone/>
+            </a:pPr>
+            <a:fld id="{00000000-1234-1234-1234-123412341234}" type="slidenum">
+              <a:rPr lang="en-US" sz="1200" b="0" i="0" u="none" strike="noStrike" cap="none" smtClean="0">
+                <a:solidFill>
+                  <a:schemeClr val="dk1"/>
+                </a:solidFill>
+                <a:latin typeface="Open Sans"/>
+                <a:ea typeface="Open Sans"/>
+                <a:cs typeface="Open Sans"/>
+                <a:sym typeface="Open Sans"/>
+              </a:rPr>
               <a:t>15</a:t>
             </a:fld>
             <a:endParaRPr lang="en-US" sz="1200" b="0" i="0" u="none" strike="noStrike" cap="none">
@@ -2636,7 +2488,7 @@
     </p:spTree>
     <p:extLst>
       <p:ext uri="{BB962C8B-B14F-4D97-AF65-F5344CB8AC3E}">
-        <p14:creationId xmlns:p14="http://schemas.microsoft.com/office/powerpoint/2010/main" val="316110366"/>
+        <p14:creationId xmlns:p14="http://schemas.microsoft.com/office/powerpoint/2010/main" val="594938844"/>
       </p:ext>
     </p:extLst>
   </p:cSld>
@@ -7751,119 +7603,6 @@
       </p:grpSpPr>
       <p:sp>
         <p:nvSpPr>
-          <p:cNvPr id="2" name="Title 1">
-            <a:extLst>
-              <a:ext uri="{FF2B5EF4-FFF2-40B4-BE49-F238E27FC236}">
-                <a16:creationId xmlns:a16="http://schemas.microsoft.com/office/drawing/2014/main" id="{0F48C641-2F36-D78B-061D-53FEEB2D258C}"/>
-              </a:ext>
-            </a:extLst>
-          </p:cNvPr>
-          <p:cNvSpPr>
-            <a:spLocks noGrp="1"/>
-          </p:cNvSpPr>
-          <p:nvPr>
-            <p:ph type="title"/>
-          </p:nvPr>
-        </p:nvSpPr>
-        <p:spPr/>
-        <p:txBody>
-          <a:bodyPr/>
-          <a:lstStyle/>
-          <a:p>
-            <a:r>
-              <a:rPr lang="en-US" dirty="0"/>
-              <a:t>Example</a:t>
-            </a:r>
-          </a:p>
-        </p:txBody>
-      </p:sp>
-      <p:sp>
-        <p:nvSpPr>
-          <p:cNvPr id="3" name="Text Placeholder 2">
-            <a:extLst>
-              <a:ext uri="{FF2B5EF4-FFF2-40B4-BE49-F238E27FC236}">
-                <a16:creationId xmlns:a16="http://schemas.microsoft.com/office/drawing/2014/main" id="{B15E4642-BF99-ADB1-9892-064BD46F91AE}"/>
-              </a:ext>
-            </a:extLst>
-          </p:cNvPr>
-          <p:cNvSpPr>
-            <a:spLocks noGrp="1"/>
-          </p:cNvSpPr>
-          <p:nvPr>
-            <p:ph type="body" idx="1"/>
-          </p:nvPr>
-        </p:nvSpPr>
-        <p:spPr/>
-        <p:txBody>
-          <a:bodyPr/>
-          <a:lstStyle/>
-          <a:p>
-            <a:endParaRPr lang="en-US" dirty="0"/>
-          </a:p>
-        </p:txBody>
-      </p:sp>
-      <p:pic>
-        <p:nvPicPr>
-          <p:cNvPr id="5" name="Picture 4">
-            <a:extLst>
-              <a:ext uri="{FF2B5EF4-FFF2-40B4-BE49-F238E27FC236}">
-                <a16:creationId xmlns:a16="http://schemas.microsoft.com/office/drawing/2014/main" id="{9FCB489D-8CCF-4FE5-9C03-1330F00624EC}"/>
-              </a:ext>
-            </a:extLst>
-          </p:cNvPr>
-          <p:cNvPicPr>
-            <a:picLocks noChangeAspect="1"/>
-          </p:cNvPicPr>
-          <p:nvPr/>
-        </p:nvPicPr>
-        <p:blipFill>
-          <a:blip r:embed="rId3"/>
-          <a:stretch>
-            <a:fillRect/>
-          </a:stretch>
-        </p:blipFill>
-        <p:spPr>
-          <a:xfrm>
-            <a:off x="457200" y="1200150"/>
-            <a:ext cx="7772400" cy="1896465"/>
-          </a:xfrm>
-          <a:prstGeom prst="rect">
-            <a:avLst/>
-          </a:prstGeom>
-        </p:spPr>
-      </p:pic>
-    </p:spTree>
-    <p:extLst>
-      <p:ext uri="{BB962C8B-B14F-4D97-AF65-F5344CB8AC3E}">
-        <p14:creationId xmlns:p14="http://schemas.microsoft.com/office/powerpoint/2010/main" val="90746877"/>
-      </p:ext>
-    </p:extLst>
-  </p:cSld>
-  <p:clrMapOvr>
-    <a:masterClrMapping/>
-  </p:clrMapOvr>
-</p:sld>
-</file>
-
-<file path=ppt/slides/slide11.xml><?xml version="1.0" encoding="utf-8"?>
-<p:sld xmlns:a="http://schemas.openxmlformats.org/drawingml/2006/main" xmlns:r="http://schemas.openxmlformats.org/officeDocument/2006/relationships" xmlns:p="http://schemas.openxmlformats.org/presentationml/2006/main">
-  <p:cSld>
-    <p:spTree>
-      <p:nvGrpSpPr>
-        <p:cNvPr id="1" name=""/>
-        <p:cNvGrpSpPr/>
-        <p:nvPr/>
-      </p:nvGrpSpPr>
-      <p:grpSpPr>
-        <a:xfrm>
-          <a:off x="0" y="0"/>
-          <a:ext cx="0" cy="0"/>
-          <a:chOff x="0" y="0"/>
-          <a:chExt cx="0" cy="0"/>
-        </a:xfrm>
-      </p:grpSpPr>
-      <p:sp>
-        <p:nvSpPr>
           <p:cNvPr id="4" name="Text Placeholder 3">
             <a:extLst>
               <a:ext uri="{FF2B5EF4-FFF2-40B4-BE49-F238E27FC236}">
@@ -8308,7 +8047,7 @@
 </p:sld>
 </file>
 
-<file path=ppt/slides/slide12.xml><?xml version="1.0" encoding="utf-8"?>
+<file path=ppt/slides/slide11.xml><?xml version="1.0" encoding="utf-8"?>
 <p:sld xmlns:a="http://schemas.openxmlformats.org/drawingml/2006/main" xmlns:r="http://schemas.openxmlformats.org/officeDocument/2006/relationships" xmlns:p="http://schemas.openxmlformats.org/presentationml/2006/main">
   <p:cSld>
     <p:spTree>
@@ -8888,7 +8627,7 @@
 </p:sld>
 </file>
 
-<file path=ppt/slides/slide13.xml><?xml version="1.0" encoding="utf-8"?>
+<file path=ppt/slides/slide12.xml><?xml version="1.0" encoding="utf-8"?>
 <p:sld xmlns:a="http://schemas.openxmlformats.org/drawingml/2006/main" xmlns:r="http://schemas.openxmlformats.org/officeDocument/2006/relationships" xmlns:p="http://schemas.openxmlformats.org/presentationml/2006/main">
   <p:cSld>
     <p:spTree>
@@ -8935,8 +8674,8 @@
           </a:p>
         </p:txBody>
       </p:sp>
-      <mc:AlternateContent xmlns:mc="http://schemas.openxmlformats.org/markup-compatibility/2006">
-        <mc:Choice xmlns:a14="http://schemas.microsoft.com/office/drawing/2010/main" Requires="a14">
+      <mc:AlternateContent xmlns:mc="http://schemas.openxmlformats.org/markup-compatibility/2006" xmlns:a14="http://schemas.microsoft.com/office/drawing/2010/main">
+        <mc:Choice Requires="a14">
           <p:sp>
             <p:nvSpPr>
               <p:cNvPr id="3" name="Text Placeholder 2">
@@ -9026,7 +8765,7 @@
             </p:txBody>
           </p:sp>
         </mc:Choice>
-        <mc:Fallback>
+        <mc:Fallback xmlns="">
           <p:sp>
             <p:nvSpPr>
               <p:cNvPr id="3" name="Text Placeholder 2">
@@ -9110,7 +8849,7 @@
 </p:sld>
 </file>
 
-<file path=ppt/slides/slide14.xml><?xml version="1.0" encoding="utf-8"?>
+<file path=ppt/slides/slide13.xml><?xml version="1.0" encoding="utf-8"?>
 <p:sld xmlns:a="http://schemas.openxmlformats.org/drawingml/2006/main" xmlns:r="http://schemas.openxmlformats.org/officeDocument/2006/relationships" xmlns:p="http://schemas.openxmlformats.org/presentationml/2006/main">
   <p:cSld>
     <p:spTree>
@@ -9317,7 +9056,7 @@
 </p:sld>
 </file>
 
-<file path=ppt/slides/slide15.xml><?xml version="1.0" encoding="utf-8"?>
+<file path=ppt/slides/slide14.xml><?xml version="1.0" encoding="utf-8"?>
 <p:sld xmlns:a="http://schemas.openxmlformats.org/drawingml/2006/main" xmlns:r="http://schemas.openxmlformats.org/officeDocument/2006/relationships" xmlns:p="http://schemas.openxmlformats.org/presentationml/2006/main">
   <p:cSld>
     <p:spTree>
@@ -9386,55 +9125,51 @@
           <a:lstStyle/>
           <a:p>
             <a:r>
-              <a:rPr lang="en-US" i="1" dirty="0">
+              <a:rPr lang="en-US" sz="1600" dirty="0">
                 <a:effectLst/>
                 <a:latin typeface="Times" panose="02020603050405020304" pitchFamily="18" charset="0"/>
               </a:rPr>
               <a:t>Consider a game in which two players take turns removing any positive number of matches they</a:t>
             </a:r>
             <a:r>
-              <a:rPr lang="en-US" dirty="0">
+              <a:rPr lang="en-US" sz="1600" dirty="0">
                 <a:latin typeface="Times" panose="02020603050405020304" pitchFamily="18" charset="0"/>
               </a:rPr>
               <a:t> </a:t>
             </a:r>
             <a:r>
-              <a:rPr lang="en-US" i="1" dirty="0">
+              <a:rPr lang="en-US" sz="1600" dirty="0">
                 <a:effectLst/>
                 <a:latin typeface="Times" panose="02020603050405020304" pitchFamily="18" charset="0"/>
               </a:rPr>
               <a:t>want from one of two piles of matches. The player who removes the last match wins the game.</a:t>
             </a:r>
             <a:r>
-              <a:rPr lang="en-US" dirty="0">
+              <a:rPr lang="en-US" sz="1600" dirty="0">
                 <a:latin typeface="Times" panose="02020603050405020304" pitchFamily="18" charset="0"/>
               </a:rPr>
               <a:t> </a:t>
             </a:r>
             <a:r>
-              <a:rPr lang="en-US" i="1" dirty="0">
+              <a:rPr lang="en-US" sz="1600" dirty="0">
                 <a:effectLst/>
                 <a:latin typeface="Times" panose="02020603050405020304" pitchFamily="18" charset="0"/>
               </a:rPr>
               <a:t>Show that if the two piles contain the same number of matches initially, the second player can</a:t>
             </a:r>
             <a:r>
-              <a:rPr lang="en-US" dirty="0">
+              <a:rPr lang="en-US" sz="1600" dirty="0">
                 <a:latin typeface="Times" panose="02020603050405020304" pitchFamily="18" charset="0"/>
               </a:rPr>
               <a:t> </a:t>
             </a:r>
             <a:r>
-              <a:rPr lang="en-US" i="1" dirty="0">
+              <a:rPr lang="en-US" sz="1600" dirty="0">
                 <a:effectLst/>
                 <a:latin typeface="Times" panose="02020603050405020304" pitchFamily="18" charset="0"/>
               </a:rPr>
               <a:t>always guarantee a win.</a:t>
             </a:r>
-            <a:endParaRPr lang="en-US" dirty="0">
-              <a:effectLst/>
-              <a:latin typeface="Times" panose="02020603050405020304" pitchFamily="18" charset="0"/>
-            </a:endParaRPr>
           </a:p>
           <a:p>
             <a:endParaRPr lang="en-US" dirty="0"/>
@@ -9481,12 +9216,12 @@
 </p:sld>
 </file>
 
-<file path=ppt/slides/slide2.xml><?xml version="1.0" encoding="utf-8"?>
+<file path=ppt/slides/slide15.xml><?xml version="1.0" encoding="utf-8"?>
 <p:sld xmlns:a="http://schemas.openxmlformats.org/drawingml/2006/main" xmlns:r="http://schemas.openxmlformats.org/officeDocument/2006/relationships" xmlns:p="http://schemas.openxmlformats.org/presentationml/2006/main">
   <p:cSld>
     <p:spTree>
       <p:nvGrpSpPr>
-        <p:cNvPr id="1" name="Shape 111"/>
+        <p:cNvPr id="1" name=""/>
         <p:cNvGrpSpPr/>
         <p:nvPr/>
       </p:nvGrpSpPr>
@@ -9500,355 +9235,95 @@
       </p:grpSpPr>
       <p:sp>
         <p:nvSpPr>
-          <p:cNvPr id="112" name="Google Shape;112;p17"/>
-          <p:cNvSpPr txBox="1">
-            <a:spLocks noGrp="1"/>
-          </p:cNvSpPr>
-          <p:nvPr>
-            <p:ph type="title"/>
-          </p:nvPr>
-        </p:nvSpPr>
-        <p:spPr>
-          <a:xfrm>
-            <a:off x="457200" y="361950"/>
-            <a:ext cx="8229600" cy="609600"/>
-          </a:xfrm>
-          <a:prstGeom prst="rect">
-            <a:avLst/>
-          </a:prstGeom>
-        </p:spPr>
-        <p:txBody>
-          <a:bodyPr spcFirstLastPara="1" wrap="square" lIns="91425" tIns="45700" rIns="91425" bIns="45700" anchor="t" anchorCtr="0">
-            <a:noAutofit/>
-          </a:bodyPr>
-          <a:lstStyle/>
-          <a:p>
-            <a:pPr marL="0" lvl="0" indent="0" algn="l" rtl="0">
-              <a:spcBef>
-                <a:spcPts val="0"/>
-              </a:spcBef>
-              <a:spcAft>
-                <a:spcPts val="0"/>
-              </a:spcAft>
-              <a:buNone/>
-            </a:pPr>
-            <a:r>
-              <a:rPr lang="en-US" dirty="0"/>
-              <a:t>Proof techniques</a:t>
-            </a:r>
-            <a:endParaRPr dirty="0"/>
-          </a:p>
-        </p:txBody>
-      </p:sp>
-      <p:sp>
-        <p:nvSpPr>
-          <p:cNvPr id="113" name="Google Shape;113;p17"/>
-          <p:cNvSpPr txBox="1">
+          <p:cNvPr id="2" name="Text Placeholder 1">
+            <a:extLst>
+              <a:ext uri="{FF2B5EF4-FFF2-40B4-BE49-F238E27FC236}">
+                <a16:creationId xmlns:a16="http://schemas.microsoft.com/office/drawing/2014/main" id="{FB0532A7-F40E-DD69-42BA-ABBCF0D38932}"/>
+              </a:ext>
+            </a:extLst>
+          </p:cNvPr>
+          <p:cNvSpPr>
             <a:spLocks noGrp="1"/>
           </p:cNvSpPr>
           <p:nvPr>
             <p:ph type="body" idx="1"/>
           </p:nvPr>
         </p:nvSpPr>
-        <p:spPr>
-          <a:xfrm>
-            <a:off x="457200" y="1200150"/>
-            <a:ext cx="8229600" cy="3429000"/>
-          </a:xfrm>
-          <a:prstGeom prst="rect">
-            <a:avLst/>
-          </a:prstGeom>
-        </p:spPr>
+        <p:spPr/>
         <p:txBody>
-          <a:bodyPr spcFirstLastPara="1" wrap="square" lIns="91425" tIns="45700" rIns="91425" bIns="45700" anchor="t" anchorCtr="0">
-            <a:noAutofit/>
-          </a:bodyPr>
+          <a:bodyPr/>
           <a:lstStyle/>
           <a:p>
-            <a:pPr marL="0" lvl="0" indent="0" algn="l" rtl="0">
-              <a:spcBef>
-                <a:spcPts val="600"/>
-              </a:spcBef>
-              <a:spcAft>
-                <a:spcPts val="0"/>
-              </a:spcAft>
-              <a:buNone/>
-            </a:pPr>
-            <a:r>
-              <a:rPr lang="en-US" dirty="0"/>
-              <a:t>Last week: propositional logic as a formalization of arguments</a:t>
-            </a:r>
-          </a:p>
-          <a:p>
-            <a:pPr marL="0" lvl="0" indent="0" algn="l" rtl="0">
-              <a:spcBef>
-                <a:spcPts val="600"/>
-              </a:spcBef>
-              <a:spcAft>
-                <a:spcPts val="0"/>
-              </a:spcAft>
-              <a:buNone/>
-            </a:pPr>
-            <a:endParaRPr lang="en-US" dirty="0"/>
-          </a:p>
-          <a:p>
-            <a:pPr marL="0" lvl="0" indent="0" algn="l" rtl="0">
-              <a:spcBef>
-                <a:spcPts val="600"/>
-              </a:spcBef>
-              <a:spcAft>
-                <a:spcPts val="0"/>
-              </a:spcAft>
-              <a:buNone/>
-            </a:pPr>
-            <a:r>
-              <a:rPr lang="en-US" dirty="0"/>
-              <a:t>This week: more sophisticated strategies for establishing formal proofs</a:t>
-            </a:r>
-          </a:p>
-          <a:p>
-            <a:pPr marL="0" lvl="0" indent="0" algn="l" rtl="0">
-              <a:spcBef>
-                <a:spcPts val="600"/>
-              </a:spcBef>
-              <a:spcAft>
-                <a:spcPts val="0"/>
-              </a:spcAft>
-              <a:buNone/>
-            </a:pPr>
-            <a:endParaRPr lang="en-US" dirty="0"/>
-          </a:p>
-          <a:p>
-            <a:pPr marL="0" lvl="0" indent="0" algn="l" rtl="0">
-              <a:spcBef>
-                <a:spcPts val="600"/>
-              </a:spcBef>
-              <a:spcAft>
-                <a:spcPts val="0"/>
-              </a:spcAft>
-              <a:buNone/>
-            </a:pPr>
-            <a:endParaRPr dirty="0"/>
-          </a:p>
-        </p:txBody>
-      </p:sp>
-    </p:spTree>
-  </p:cSld>
-  <p:clrMapOvr>
-    <a:masterClrMapping/>
-  </p:clrMapOvr>
-</p:sld>
-</file>
-
-<file path=ppt/slides/slide3.xml><?xml version="1.0" encoding="utf-8"?>
-<p:sld xmlns:a="http://schemas.openxmlformats.org/drawingml/2006/main" xmlns:r="http://schemas.openxmlformats.org/officeDocument/2006/relationships" xmlns:p="http://schemas.openxmlformats.org/presentationml/2006/main">
-  <p:cSld>
-    <p:spTree>
-      <p:nvGrpSpPr>
-        <p:cNvPr id="1" name="Shape 111"/>
-        <p:cNvGrpSpPr/>
-        <p:nvPr/>
-      </p:nvGrpSpPr>
-      <p:grpSpPr>
-        <a:xfrm>
-          <a:off x="0" y="0"/>
-          <a:ext cx="0" cy="0"/>
-          <a:chOff x="0" y="0"/>
-          <a:chExt cx="0" cy="0"/>
-        </a:xfrm>
-      </p:grpSpPr>
-      <p:sp>
-        <p:nvSpPr>
-          <p:cNvPr id="112" name="Google Shape;112;p17"/>
-          <p:cNvSpPr txBox="1">
-            <a:spLocks noGrp="1"/>
-          </p:cNvSpPr>
-          <p:nvPr>
-            <p:ph type="title"/>
-          </p:nvPr>
-        </p:nvSpPr>
-        <p:spPr>
-          <a:xfrm>
-            <a:off x="457200" y="361950"/>
-            <a:ext cx="8229600" cy="609600"/>
-          </a:xfrm>
-          <a:prstGeom prst="rect">
-            <a:avLst/>
-          </a:prstGeom>
-        </p:spPr>
-        <p:txBody>
-          <a:bodyPr spcFirstLastPara="1" wrap="square" lIns="91425" tIns="45700" rIns="91425" bIns="45700" anchor="t" anchorCtr="0">
-            <a:noAutofit/>
-          </a:bodyPr>
-          <a:lstStyle/>
-          <a:p>
-            <a:pPr marL="0" lvl="0" indent="0" algn="l" rtl="0">
-              <a:spcBef>
-                <a:spcPts val="0"/>
-              </a:spcBef>
-              <a:spcAft>
-                <a:spcPts val="0"/>
-              </a:spcAft>
-              <a:buNone/>
-            </a:pPr>
-            <a:r>
-              <a:rPr lang="en-US" dirty="0"/>
-              <a:t>Proof techniques</a:t>
-            </a:r>
-            <a:endParaRPr dirty="0"/>
+            <a:endParaRPr lang="en-US"/>
           </a:p>
         </p:txBody>
       </p:sp>
       <p:sp>
         <p:nvSpPr>
-          <p:cNvPr id="113" name="Google Shape;113;p17"/>
-          <p:cNvSpPr txBox="1">
+          <p:cNvPr id="3" name="Text Placeholder 2">
+            <a:extLst>
+              <a:ext uri="{FF2B5EF4-FFF2-40B4-BE49-F238E27FC236}">
+                <a16:creationId xmlns:a16="http://schemas.microsoft.com/office/drawing/2014/main" id="{72D96652-7809-FAF9-DE5F-4404693584B3}"/>
+              </a:ext>
+            </a:extLst>
+          </p:cNvPr>
+          <p:cNvSpPr>
             <a:spLocks noGrp="1"/>
           </p:cNvSpPr>
           <p:nvPr>
-            <p:ph type="body" idx="1"/>
+            <p:ph type="body" idx="2"/>
           </p:nvPr>
         </p:nvSpPr>
-        <p:spPr>
-          <a:xfrm>
-            <a:off x="457200" y="1200150"/>
-            <a:ext cx="8229600" cy="3429000"/>
-          </a:xfrm>
-          <a:prstGeom prst="rect">
-            <a:avLst/>
-          </a:prstGeom>
-        </p:spPr>
+        <p:spPr/>
         <p:txBody>
-          <a:bodyPr spcFirstLastPara="1" wrap="square" lIns="91425" tIns="45700" rIns="91425" bIns="45700" anchor="t" anchorCtr="0">
-            <a:noAutofit/>
-          </a:bodyPr>
+          <a:bodyPr/>
           <a:lstStyle/>
           <a:p>
-            <a:pPr marL="0" lvl="0" indent="0" algn="l" rtl="0">
-              <a:spcBef>
-                <a:spcPts val="600"/>
-              </a:spcBef>
-              <a:spcAft>
-                <a:spcPts val="0"/>
-              </a:spcAft>
-              <a:buNone/>
-            </a:pPr>
             <a:r>
               <a:rPr lang="en-US" dirty="0"/>
-              <a:t>Last week: propositional logic as a formalization of arguments</a:t>
+              <a:t>Show that any integer amount ≥ 60 cents can be changed using 6-cent and 11-cent coins. Equivalently, any integer n ≥ 60 can be expressed as n = 6a + 11b, where a and b are nonnegative integers. </a:t>
             </a:r>
           </a:p>
           <a:p>
-            <a:pPr marL="0" lvl="0" indent="0" algn="l" rtl="0">
-              <a:spcBef>
-                <a:spcPts val="600"/>
-              </a:spcBef>
-              <a:spcAft>
-                <a:spcPts val="0"/>
-              </a:spcAft>
-              <a:buNone/>
-            </a:pPr>
             <a:endParaRPr lang="en-US" dirty="0"/>
           </a:p>
           <a:p>
-            <a:pPr marL="0" lvl="0" indent="0" algn="l" rtl="0">
-              <a:spcBef>
-                <a:spcPts val="600"/>
-              </a:spcBef>
-              <a:spcAft>
-                <a:spcPts val="0"/>
-              </a:spcAft>
-              <a:buNone/>
-            </a:pPr>
             <a:r>
               <a:rPr lang="en-US" dirty="0"/>
-              <a:t>This week: more sophisticated strategies for establishing formal proofs</a:t>
+              <a:t>Do we need strong induction? Is weak sufficient? </a:t>
             </a:r>
           </a:p>
+        </p:txBody>
+      </p:sp>
+      <p:sp>
+        <p:nvSpPr>
+          <p:cNvPr id="4" name="Text Placeholder 3">
+            <a:extLst>
+              <a:ext uri="{FF2B5EF4-FFF2-40B4-BE49-F238E27FC236}">
+                <a16:creationId xmlns:a16="http://schemas.microsoft.com/office/drawing/2014/main" id="{D91763F6-71A8-8F36-5F3C-5F17102864D4}"/>
+              </a:ext>
+            </a:extLst>
+          </p:cNvPr>
+          <p:cNvSpPr>
+            <a:spLocks noGrp="1"/>
+          </p:cNvSpPr>
+          <p:nvPr>
+            <p:ph type="body" idx="3"/>
+          </p:nvPr>
+        </p:nvSpPr>
+        <p:spPr/>
+        <p:txBody>
+          <a:bodyPr/>
+          <a:lstStyle/>
           <a:p>
-            <a:pPr marL="0" lvl="0" indent="0" algn="l" rtl="0">
-              <a:spcBef>
-                <a:spcPts val="600"/>
-              </a:spcBef>
-              <a:spcAft>
-                <a:spcPts val="0"/>
-              </a:spcAft>
-              <a:buNone/>
-            </a:pPr>
-            <a:endParaRPr lang="en-US" dirty="0"/>
-          </a:p>
-          <a:p>
-            <a:pPr marL="0" lvl="0" indent="0" algn="l" rtl="0">
-              <a:spcBef>
-                <a:spcPts val="600"/>
-              </a:spcBef>
-              <a:spcAft>
-                <a:spcPts val="0"/>
-              </a:spcAft>
-              <a:buNone/>
-            </a:pPr>
-            <a:r>
-              <a:rPr lang="en-US" dirty="0"/>
-              <a:t>We will also move beyond propositional logic (e.g., proving statements about more common mathematical objects like numbers, sums, functions, etc., not just binary variables)</a:t>
-            </a:r>
-          </a:p>
-          <a:p>
-            <a:pPr marL="0" lvl="0" indent="0" algn="l" rtl="0">
-              <a:spcBef>
-                <a:spcPts val="600"/>
-              </a:spcBef>
-              <a:spcAft>
-                <a:spcPts val="0"/>
-              </a:spcAft>
-              <a:buNone/>
-            </a:pPr>
-            <a:endParaRPr lang="en-US" dirty="0"/>
-          </a:p>
-          <a:p>
-            <a:pPr marL="0" lvl="0" indent="0" algn="l" rtl="0">
-              <a:spcBef>
-                <a:spcPts val="600"/>
-              </a:spcBef>
-              <a:spcAft>
-                <a:spcPts val="0"/>
-              </a:spcAft>
-              <a:buNone/>
-            </a:pPr>
-            <a:r>
-              <a:rPr lang="en-US" dirty="0"/>
-              <a:t>Focus is still on rigorous justification for each step of proofs, but no longer at such a low level</a:t>
-            </a:r>
-          </a:p>
-          <a:p>
-            <a:pPr marL="0" lvl="0" indent="0" algn="l" rtl="0">
-              <a:spcBef>
-                <a:spcPts val="600"/>
-              </a:spcBef>
-              <a:spcAft>
-                <a:spcPts val="0"/>
-              </a:spcAft>
-              <a:buNone/>
-            </a:pPr>
-            <a:endParaRPr lang="en-US" dirty="0"/>
-          </a:p>
-          <a:p>
-            <a:pPr marL="0" lvl="0" indent="0" algn="l" rtl="0">
-              <a:spcBef>
-                <a:spcPts val="600"/>
-              </a:spcBef>
-              <a:spcAft>
-                <a:spcPts val="0"/>
-              </a:spcAft>
-              <a:buNone/>
-            </a:pPr>
-            <a:endParaRPr dirty="0"/>
+            <a:endParaRPr lang="en-US"/>
           </a:p>
         </p:txBody>
       </p:sp>
     </p:spTree>
     <p:extLst>
       <p:ext uri="{BB962C8B-B14F-4D97-AF65-F5344CB8AC3E}">
-        <p14:creationId xmlns:p14="http://schemas.microsoft.com/office/powerpoint/2010/main" val="1877925909"/>
+        <p14:creationId xmlns:p14="http://schemas.microsoft.com/office/powerpoint/2010/main" val="859868688"/>
       </p:ext>
     </p:extLst>
   </p:cSld>
@@ -9858,7 +9333,7 @@
 </p:sld>
 </file>
 
-<file path=ppt/slides/slide4.xml><?xml version="1.0" encoding="utf-8"?>
+<file path=ppt/slides/slide2.xml><?xml version="1.0" encoding="utf-8"?>
 <p:sld xmlns:a="http://schemas.openxmlformats.org/drawingml/2006/main" xmlns:r="http://schemas.openxmlformats.org/officeDocument/2006/relationships" xmlns:p="http://schemas.openxmlformats.org/presentationml/2006/main">
   <p:cSld>
     <p:spTree>
@@ -9988,7 +9463,7 @@
 </p:sld>
 </file>
 
-<file path=ppt/slides/slide5.xml><?xml version="1.0" encoding="utf-8"?>
+<file path=ppt/slides/slide3.xml><?xml version="1.0" encoding="utf-8"?>
 <p:sld xmlns:a="http://schemas.openxmlformats.org/drawingml/2006/main" xmlns:r="http://schemas.openxmlformats.org/officeDocument/2006/relationships" xmlns:p="http://schemas.openxmlformats.org/presentationml/2006/main">
   <p:cSld>
     <p:spTree>
@@ -10152,7 +9627,7 @@
 </p:sld>
 </file>
 
-<file path=ppt/slides/slide6.xml><?xml version="1.0" encoding="utf-8"?>
+<file path=ppt/slides/slide4.xml><?xml version="1.0" encoding="utf-8"?>
 <p:sld xmlns:a="http://schemas.openxmlformats.org/drawingml/2006/main" xmlns:r="http://schemas.openxmlformats.org/officeDocument/2006/relationships" xmlns:p="http://schemas.openxmlformats.org/presentationml/2006/main">
   <p:cSld>
     <p:spTree>
@@ -10344,7 +9819,7 @@
 </p:sld>
 </file>
 
-<file path=ppt/slides/slide7.xml><?xml version="1.0" encoding="utf-8"?>
+<file path=ppt/slides/slide5.xml><?xml version="1.0" encoding="utf-8"?>
 <p:sld xmlns:a="http://schemas.openxmlformats.org/drawingml/2006/main" xmlns:r="http://schemas.openxmlformats.org/officeDocument/2006/relationships" xmlns:p="http://schemas.openxmlformats.org/presentationml/2006/main">
   <p:cSld>
     <p:spTree>
@@ -10437,7 +9912,7 @@
 </p:sld>
 </file>
 
-<file path=ppt/slides/slide8.xml><?xml version="1.0" encoding="utf-8"?>
+<file path=ppt/slides/slide6.xml><?xml version="1.0" encoding="utf-8"?>
 <p:sld xmlns:a="http://schemas.openxmlformats.org/drawingml/2006/main" xmlns:r="http://schemas.openxmlformats.org/officeDocument/2006/relationships" xmlns:p="http://schemas.openxmlformats.org/presentationml/2006/main">
   <p:cSld>
     <p:spTree>
@@ -10525,7 +10000,7 @@
 </p:sld>
 </file>
 
-<file path=ppt/slides/slide9.xml><?xml version="1.0" encoding="utf-8"?>
+<file path=ppt/slides/slide7.xml><?xml version="1.0" encoding="utf-8"?>
 <p:sld xmlns:a="http://schemas.openxmlformats.org/drawingml/2006/main" xmlns:r="http://schemas.openxmlformats.org/officeDocument/2006/relationships" xmlns:p="http://schemas.openxmlformats.org/presentationml/2006/main">
   <p:cSld>
     <p:spTree>
@@ -10708,7 +10183,7 @@
             </a:r>
             <a:r>
               <a:rPr lang="en-US" dirty="0"/>
-              <a:t> f</a:t>
+              <a:t> Show that f</a:t>
             </a:r>
             <a:r>
               <a:rPr lang="en-US" baseline="-25000" dirty="0"/>
@@ -10804,6 +10279,416 @@
         </p:txBody>
       </p:sp>
     </p:spTree>
+  </p:cSld>
+  <p:clrMapOvr>
+    <a:masterClrMapping/>
+  </p:clrMapOvr>
+</p:sld>
+</file>
+
+<file path=ppt/slides/slide8.xml><?xml version="1.0" encoding="utf-8"?>
+<p:sld xmlns:a="http://schemas.openxmlformats.org/drawingml/2006/main" xmlns:r="http://schemas.openxmlformats.org/officeDocument/2006/relationships" xmlns:p="http://schemas.openxmlformats.org/presentationml/2006/main">
+  <p:cSld>
+    <p:spTree>
+      <p:nvGrpSpPr>
+        <p:cNvPr id="1" name=""/>
+        <p:cNvGrpSpPr/>
+        <p:nvPr/>
+      </p:nvGrpSpPr>
+      <p:grpSpPr>
+        <a:xfrm>
+          <a:off x="0" y="0"/>
+          <a:ext cx="0" cy="0"/>
+          <a:chOff x="0" y="0"/>
+          <a:chExt cx="0" cy="0"/>
+        </a:xfrm>
+      </p:grpSpPr>
+      <p:sp>
+        <p:nvSpPr>
+          <p:cNvPr id="2" name="Title 1">
+            <a:extLst>
+              <a:ext uri="{FF2B5EF4-FFF2-40B4-BE49-F238E27FC236}">
+                <a16:creationId xmlns:a16="http://schemas.microsoft.com/office/drawing/2014/main" id="{0F48C641-2F36-D78B-061D-53FEEB2D258C}"/>
+              </a:ext>
+            </a:extLst>
+          </p:cNvPr>
+          <p:cNvSpPr>
+            <a:spLocks noGrp="1"/>
+          </p:cNvSpPr>
+          <p:nvPr>
+            <p:ph type="title"/>
+          </p:nvPr>
+        </p:nvSpPr>
+        <p:spPr/>
+        <p:txBody>
+          <a:bodyPr/>
+          <a:lstStyle/>
+          <a:p>
+            <a:r>
+              <a:rPr lang="en-US" dirty="0"/>
+              <a:t>Example</a:t>
+            </a:r>
+          </a:p>
+        </p:txBody>
+      </p:sp>
+      <p:sp>
+        <p:nvSpPr>
+          <p:cNvPr id="3" name="Text Placeholder 2">
+            <a:extLst>
+              <a:ext uri="{FF2B5EF4-FFF2-40B4-BE49-F238E27FC236}">
+                <a16:creationId xmlns:a16="http://schemas.microsoft.com/office/drawing/2014/main" id="{B15E4642-BF99-ADB1-9892-064BD46F91AE}"/>
+              </a:ext>
+            </a:extLst>
+          </p:cNvPr>
+          <p:cNvSpPr>
+            <a:spLocks noGrp="1"/>
+          </p:cNvSpPr>
+          <p:nvPr>
+            <p:ph type="body" idx="1"/>
+          </p:nvPr>
+        </p:nvSpPr>
+        <p:spPr/>
+        <p:txBody>
+          <a:bodyPr/>
+          <a:lstStyle/>
+          <a:p>
+            <a:endParaRPr lang="en-US" dirty="0"/>
+          </a:p>
+        </p:txBody>
+      </p:sp>
+      <p:pic>
+        <p:nvPicPr>
+          <p:cNvPr id="5" name="Picture 4">
+            <a:extLst>
+              <a:ext uri="{FF2B5EF4-FFF2-40B4-BE49-F238E27FC236}">
+                <a16:creationId xmlns:a16="http://schemas.microsoft.com/office/drawing/2014/main" id="{9FCB489D-8CCF-4FE5-9C03-1330F00624EC}"/>
+              </a:ext>
+            </a:extLst>
+          </p:cNvPr>
+          <p:cNvPicPr>
+            <a:picLocks noChangeAspect="1"/>
+          </p:cNvPicPr>
+          <p:nvPr/>
+        </p:nvPicPr>
+        <p:blipFill>
+          <a:blip r:embed="rId3"/>
+          <a:stretch>
+            <a:fillRect/>
+          </a:stretch>
+        </p:blipFill>
+        <p:spPr>
+          <a:xfrm>
+            <a:off x="457200" y="1200150"/>
+            <a:ext cx="7772400" cy="1896465"/>
+          </a:xfrm>
+          <a:prstGeom prst="rect">
+            <a:avLst/>
+          </a:prstGeom>
+        </p:spPr>
+      </p:pic>
+    </p:spTree>
+    <p:extLst>
+      <p:ext uri="{BB962C8B-B14F-4D97-AF65-F5344CB8AC3E}">
+        <p14:creationId xmlns:p14="http://schemas.microsoft.com/office/powerpoint/2010/main" val="90746877"/>
+      </p:ext>
+    </p:extLst>
+  </p:cSld>
+  <p:clrMapOvr>
+    <a:masterClrMapping/>
+  </p:clrMapOvr>
+</p:sld>
+</file>
+
+<file path=ppt/slides/slide9.xml><?xml version="1.0" encoding="utf-8"?>
+<p:sld xmlns:a="http://schemas.openxmlformats.org/drawingml/2006/main" xmlns:r="http://schemas.openxmlformats.org/officeDocument/2006/relationships" xmlns:p="http://schemas.openxmlformats.org/presentationml/2006/main">
+  <p:cSld>
+    <p:spTree>
+      <p:nvGrpSpPr>
+        <p:cNvPr id="1" name=""/>
+        <p:cNvGrpSpPr/>
+        <p:nvPr/>
+      </p:nvGrpSpPr>
+      <p:grpSpPr>
+        <a:xfrm>
+          <a:off x="0" y="0"/>
+          <a:ext cx="0" cy="0"/>
+          <a:chOff x="0" y="0"/>
+          <a:chExt cx="0" cy="0"/>
+        </a:xfrm>
+      </p:grpSpPr>
+      <p:sp>
+        <p:nvSpPr>
+          <p:cNvPr id="2" name="Text Placeholder 1">
+            <a:extLst>
+              <a:ext uri="{FF2B5EF4-FFF2-40B4-BE49-F238E27FC236}">
+                <a16:creationId xmlns:a16="http://schemas.microsoft.com/office/drawing/2014/main" id="{621C4402-D9F4-0B60-48B1-0C8450C1C867}"/>
+              </a:ext>
+            </a:extLst>
+          </p:cNvPr>
+          <p:cNvSpPr>
+            <a:spLocks noGrp="1"/>
+          </p:cNvSpPr>
+          <p:nvPr>
+            <p:ph type="body" idx="1"/>
+          </p:nvPr>
+        </p:nvSpPr>
+        <p:spPr/>
+        <p:txBody>
+          <a:bodyPr>
+            <a:normAutofit fontScale="92500" lnSpcReduction="20000"/>
+          </a:bodyPr>
+          <a:lstStyle/>
+          <a:p>
+            <a:r>
+              <a:rPr lang="en-US" dirty="0"/>
+              <a:t>Where’s the mistake?</a:t>
+            </a:r>
+          </a:p>
+        </p:txBody>
+      </p:sp>
+      <p:sp>
+        <p:nvSpPr>
+          <p:cNvPr id="3" name="Text Placeholder 2">
+            <a:extLst>
+              <a:ext uri="{FF2B5EF4-FFF2-40B4-BE49-F238E27FC236}">
+                <a16:creationId xmlns:a16="http://schemas.microsoft.com/office/drawing/2014/main" id="{A8049012-91C6-300A-49F3-BAD18A2DA478}"/>
+              </a:ext>
+            </a:extLst>
+          </p:cNvPr>
+          <p:cNvSpPr>
+            <a:spLocks noGrp="1"/>
+          </p:cNvSpPr>
+          <p:nvPr>
+            <p:ph type="body" idx="2"/>
+          </p:nvPr>
+        </p:nvSpPr>
+        <p:spPr>
+          <a:xfrm>
+            <a:off x="934548" y="1265464"/>
+            <a:ext cx="6883052" cy="3069772"/>
+          </a:xfrm>
+        </p:spPr>
+        <p:txBody>
+          <a:bodyPr>
+            <a:normAutofit lnSpcReduction="10000"/>
+          </a:bodyPr>
+          <a:lstStyle/>
+          <a:p>
+            <a:pPr algn="l" fontAlgn="base"/>
+            <a:r>
+              <a:rPr lang="en-US" b="0" i="0" dirty="0">
+                <a:solidFill>
+                  <a:srgbClr val="444444"/>
+                </a:solidFill>
+                <a:effectLst/>
+                <a:highlight>
+                  <a:srgbClr val="FFFFFF"/>
+                </a:highlight>
+                <a:latin typeface="Lato" panose="020F0502020204030203" pitchFamily="34" charset="0"/>
+              </a:rPr>
+              <a:t>Theorem. All horses are the same color.</a:t>
+            </a:r>
+          </a:p>
+          <a:p>
+            <a:pPr algn="l" fontAlgn="base"/>
+            <a:endParaRPr lang="en-US" b="0" i="0" dirty="0">
+              <a:solidFill>
+                <a:srgbClr val="444444"/>
+              </a:solidFill>
+              <a:effectLst/>
+              <a:highlight>
+                <a:srgbClr val="FFFFFF"/>
+              </a:highlight>
+              <a:latin typeface="Lato" panose="020F0502020204030203" pitchFamily="34" charset="0"/>
+            </a:endParaRPr>
+          </a:p>
+          <a:p>
+            <a:pPr algn="l" fontAlgn="base"/>
+            <a:r>
+              <a:rPr lang="en-US" b="0" i="0" dirty="0">
+                <a:solidFill>
+                  <a:srgbClr val="444444"/>
+                </a:solidFill>
+                <a:effectLst/>
+                <a:highlight>
+                  <a:srgbClr val="FFFFFF"/>
+                </a:highlight>
+                <a:latin typeface="Lato" panose="020F0502020204030203" pitchFamily="34" charset="0"/>
+              </a:rPr>
+              <a:t>Proof. We’ll induct on the number of horses. </a:t>
+            </a:r>
+          </a:p>
+          <a:p>
+            <a:pPr algn="l" fontAlgn="base"/>
+            <a:endParaRPr lang="en-US" dirty="0">
+              <a:solidFill>
+                <a:srgbClr val="444444"/>
+              </a:solidFill>
+              <a:highlight>
+                <a:srgbClr val="FFFFFF"/>
+              </a:highlight>
+              <a:latin typeface="Lato" panose="020F0502020204030203" pitchFamily="34" charset="0"/>
+            </a:endParaRPr>
+          </a:p>
+          <a:p>
+            <a:pPr algn="l" fontAlgn="base"/>
+            <a:r>
+              <a:rPr lang="en-US" b="0" i="0" dirty="0">
+                <a:solidFill>
+                  <a:srgbClr val="444444"/>
+                </a:solidFill>
+                <a:effectLst/>
+                <a:highlight>
+                  <a:srgbClr val="FFFFFF"/>
+                </a:highlight>
+                <a:latin typeface="Lato" panose="020F0502020204030203" pitchFamily="34" charset="0"/>
+              </a:rPr>
+              <a:t>Base case: 1 horse. Clearly with just 1 horse, all horses have the same color.</a:t>
+            </a:r>
+          </a:p>
+          <a:p>
+            <a:pPr algn="l" fontAlgn="base"/>
+            <a:endParaRPr lang="en-US" b="0" i="0" dirty="0">
+              <a:solidFill>
+                <a:srgbClr val="444444"/>
+              </a:solidFill>
+              <a:effectLst/>
+              <a:highlight>
+                <a:srgbClr val="FFFFFF"/>
+              </a:highlight>
+              <a:latin typeface="Lato" panose="020F0502020204030203" pitchFamily="34" charset="0"/>
+            </a:endParaRPr>
+          </a:p>
+          <a:p>
+            <a:pPr algn="l" fontAlgn="base"/>
+            <a:r>
+              <a:rPr lang="en-US" b="0" i="0" dirty="0">
+                <a:solidFill>
+                  <a:srgbClr val="444444"/>
+                </a:solidFill>
+                <a:effectLst/>
+                <a:highlight>
+                  <a:srgbClr val="FFFFFF"/>
+                </a:highlight>
+                <a:latin typeface="Lato" panose="020F0502020204030203" pitchFamily="34" charset="0"/>
+              </a:rPr>
+              <a:t>Now, for the inductive step: we’ll show that if it is true for any group of N horses, that all have the same color, then it is true for any group of N+1 horses.</a:t>
+            </a:r>
+          </a:p>
+          <a:p>
+            <a:pPr algn="l" fontAlgn="base"/>
+            <a:endParaRPr lang="en-US" b="0" i="0" dirty="0">
+              <a:solidFill>
+                <a:srgbClr val="444444"/>
+              </a:solidFill>
+              <a:effectLst/>
+              <a:highlight>
+                <a:srgbClr val="FFFFFF"/>
+              </a:highlight>
+              <a:latin typeface="Lato" panose="020F0502020204030203" pitchFamily="34" charset="0"/>
+            </a:endParaRPr>
+          </a:p>
+          <a:p>
+            <a:pPr algn="l" fontAlgn="base"/>
+            <a:r>
+              <a:rPr lang="en-US" b="0" i="0" dirty="0">
+                <a:solidFill>
+                  <a:srgbClr val="444444"/>
+                </a:solidFill>
+                <a:effectLst/>
+                <a:highlight>
+                  <a:srgbClr val="FFFFFF"/>
+                </a:highlight>
+                <a:latin typeface="Lato" panose="020F0502020204030203" pitchFamily="34" charset="0"/>
+              </a:rPr>
+              <a:t>Given any set of N+1 horses, if you exclude the </a:t>
+            </a:r>
+            <a:r>
+              <a:rPr lang="en-US" b="1" i="0" dirty="0">
+                <a:solidFill>
+                  <a:srgbClr val="444444"/>
+                </a:solidFill>
+                <a:effectLst/>
+                <a:highlight>
+                  <a:srgbClr val="FFFFFF"/>
+                </a:highlight>
+                <a:latin typeface="Lato" panose="020F0502020204030203" pitchFamily="34" charset="0"/>
+              </a:rPr>
+              <a:t>last</a:t>
+            </a:r>
+            <a:r>
+              <a:rPr lang="en-US" b="0" i="0" dirty="0">
+                <a:solidFill>
+                  <a:srgbClr val="444444"/>
+                </a:solidFill>
+                <a:effectLst/>
+                <a:highlight>
+                  <a:srgbClr val="FFFFFF"/>
+                </a:highlight>
+                <a:latin typeface="Lato" panose="020F0502020204030203" pitchFamily="34" charset="0"/>
+              </a:rPr>
+              <a:t> horse, you get a set of N horses. By the inductive step these N horses all have the same color. But by excluding the </a:t>
+            </a:r>
+            <a:r>
+              <a:rPr lang="en-US" b="1" dirty="0">
+                <a:solidFill>
+                  <a:srgbClr val="444444"/>
+                </a:solidFill>
+                <a:effectLst/>
+                <a:highlight>
+                  <a:srgbClr val="FFFFFF"/>
+                </a:highlight>
+                <a:latin typeface="inherit"/>
+              </a:rPr>
+              <a:t>first</a:t>
+            </a:r>
+            <a:r>
+              <a:rPr lang="en-US" b="0" i="0" dirty="0">
+                <a:solidFill>
+                  <a:srgbClr val="444444"/>
+                </a:solidFill>
+                <a:effectLst/>
+                <a:highlight>
+                  <a:srgbClr val="FFFFFF"/>
+                </a:highlight>
+                <a:latin typeface="Lato" panose="020F0502020204030203" pitchFamily="34" charset="0"/>
+              </a:rPr>
+              <a:t> horse in the pack of N+1 horses, you can conclude that the last N horses also have the same color. Therefore all N+1 horses have the same color..</a:t>
+            </a:r>
+          </a:p>
+          <a:p>
+            <a:br>
+              <a:rPr lang="en-US" sz="1000" dirty="0"/>
+            </a:br>
+            <a:r>
+              <a:rPr lang="en-US" sz="1000" dirty="0"/>
+              <a:t>https://</a:t>
+            </a:r>
+            <a:r>
+              <a:rPr lang="en-US" sz="1000" dirty="0" err="1"/>
+              <a:t>math.hmc.edu</a:t>
+            </a:r>
+            <a:r>
+              <a:rPr lang="en-US" sz="1000" dirty="0"/>
+              <a:t>/</a:t>
+            </a:r>
+            <a:r>
+              <a:rPr lang="en-US" sz="1000" dirty="0" err="1"/>
+              <a:t>funfacts</a:t>
+            </a:r>
+            <a:r>
+              <a:rPr lang="en-US" sz="1000" dirty="0"/>
+              <a:t>/all-horses-are-the-same-color/</a:t>
+            </a:r>
+          </a:p>
+        </p:txBody>
+      </p:sp>
+    </p:spTree>
+    <p:extLst>
+      <p:ext uri="{BB962C8B-B14F-4D97-AF65-F5344CB8AC3E}">
+        <p14:creationId xmlns:p14="http://schemas.microsoft.com/office/powerpoint/2010/main" val="209050996"/>
+      </p:ext>
+    </p:extLst>
   </p:cSld>
   <p:clrMapOvr>
     <a:masterClrMapping/>
